--- a/문서 관리/07. 유스케이스/07. 유스케이스(사용자,상담사).pptx
+++ b/문서 관리/07. 유스케이스/07. 유스케이스(사용자,상담사).pptx
@@ -7545,8 +7545,8 @@
         </p:nvSpPr>
         <p:spPr>
           <a:xfrm>
-            <a:off x="6059138" y="187065"/>
-            <a:ext cx="2908177" cy="1600708"/>
+            <a:off x="6059138" y="187064"/>
+            <a:ext cx="2908177" cy="1885339"/>
           </a:xfrm>
           <a:prstGeom prst="rect">
             <a:avLst/>
@@ -7757,13 +7757,15 @@
       <p:cxnSp>
         <p:nvCxnSpPr>
           <p:cNvPr id="47" name="구부러진 연결선 46"/>
-          <p:cNvCxnSpPr/>
+          <p:cNvCxnSpPr>
+            <a:endCxn id="11" idx="2"/>
+          </p:cNvCxnSpPr>
           <p:nvPr/>
         </p:nvCxnSpPr>
         <p:spPr>
-          <a:xfrm rot="5400000" flipH="1" flipV="1">
-            <a:off x="6074090" y="2478983"/>
-            <a:ext cx="616626" cy="305454"/>
+          <a:xfrm flipV="1">
+            <a:off x="6486376" y="2436501"/>
+            <a:ext cx="1459941" cy="667134"/>
           </a:xfrm>
           <a:prstGeom prst="curvedConnector3">
             <a:avLst>
@@ -8186,7 +8188,7 @@
         </p:nvSpPr>
         <p:spPr>
           <a:xfrm>
-            <a:off x="5955681" y="1845439"/>
+            <a:off x="7946317" y="2197253"/>
             <a:ext cx="1074832" cy="478496"/>
           </a:xfrm>
           <a:prstGeom prst="ellipse">
@@ -8411,7 +8413,7 @@
         </p:nvSpPr>
         <p:spPr>
           <a:xfrm>
-            <a:off x="6187643" y="460137"/>
+            <a:off x="6209651" y="531049"/>
             <a:ext cx="1135680" cy="613415"/>
           </a:xfrm>
           <a:prstGeom prst="ellipse">
@@ -8472,7 +8474,7 @@
         </p:nvSpPr>
         <p:spPr>
           <a:xfrm>
-            <a:off x="7513227" y="464447"/>
+            <a:off x="7535235" y="535359"/>
             <a:ext cx="1135680" cy="613415"/>
           </a:xfrm>
           <a:prstGeom prst="ellipse">
@@ -8533,7 +8535,7 @@
         </p:nvSpPr>
         <p:spPr>
           <a:xfrm>
-            <a:off x="6196587" y="1176054"/>
+            <a:off x="6187643" y="1299655"/>
             <a:ext cx="1126736" cy="505083"/>
           </a:xfrm>
           <a:prstGeom prst="ellipse">
@@ -8575,7 +8577,7 @@
         </p:nvSpPr>
         <p:spPr>
           <a:xfrm>
-            <a:off x="7413909" y="1125672"/>
+            <a:off x="7404965" y="1249273"/>
             <a:ext cx="1438742" cy="613415"/>
           </a:xfrm>
           <a:prstGeom prst="ellipse">
@@ -10794,148 +10796,6 @@
           </a:fontRef>
         </p:style>
       </p:cxnSp>
-      <p:sp>
-        <p:nvSpPr>
-          <p:cNvPr id="263" name="직사각형 262"/>
-          <p:cNvSpPr/>
-          <p:nvPr/>
-        </p:nvSpPr>
-        <p:spPr>
-          <a:xfrm>
-            <a:off x="7656190" y="1919401"/>
-            <a:ext cx="1484619" cy="1334535"/>
-          </a:xfrm>
-          <a:prstGeom prst="rect">
-            <a:avLst/>
-          </a:prstGeom>
-        </p:spPr>
-        <p:style>
-          <a:lnRef idx="2">
-            <a:schemeClr val="dk1"/>
-          </a:lnRef>
-          <a:fillRef idx="1">
-            <a:schemeClr val="lt1"/>
-          </a:fillRef>
-          <a:effectRef idx="0">
-            <a:schemeClr val="dk1"/>
-          </a:effectRef>
-          <a:fontRef idx="minor">
-            <a:schemeClr val="dk1"/>
-          </a:fontRef>
-        </p:style>
-        <p:txBody>
-          <a:bodyPr rtlCol="0" anchor="t"/>
-          <a:lstStyle/>
-          <a:p>
-            <a:pPr algn="ctr"/>
-            <a:r>
-              <a:rPr lang="ko-KR" altLang="en-US" sz="1200" smtClean="0"/>
-              <a:t>게시판 상담</a:t>
-            </a:r>
-            <a:endParaRPr lang="ko-KR" altLang="en-US" sz="1200" dirty="0"/>
-          </a:p>
-        </p:txBody>
-      </p:sp>
-      <p:sp>
-        <p:nvSpPr>
-          <p:cNvPr id="298" name="타원 297"/>
-          <p:cNvSpPr/>
-          <p:nvPr/>
-        </p:nvSpPr>
-        <p:spPr>
-          <a:xfrm>
-            <a:off x="7960302" y="2697378"/>
-            <a:ext cx="853183" cy="514775"/>
-          </a:xfrm>
-          <a:prstGeom prst="ellipse">
-            <a:avLst/>
-          </a:prstGeom>
-        </p:spPr>
-        <p:style>
-          <a:lnRef idx="2">
-            <a:schemeClr val="dk1"/>
-          </a:lnRef>
-          <a:fillRef idx="1">
-            <a:schemeClr val="lt1"/>
-          </a:fillRef>
-          <a:effectRef idx="0">
-            <a:schemeClr val="dk1"/>
-          </a:effectRef>
-          <a:fontRef idx="minor">
-            <a:schemeClr val="dk1"/>
-          </a:fontRef>
-        </p:style>
-        <p:txBody>
-          <a:bodyPr rtlCol="0" anchor="ctr"/>
-          <a:lstStyle/>
-          <a:p>
-            <a:pPr algn="ctr"/>
-            <a:r>
-              <a:rPr lang="ko-KR" altLang="en-US" sz="1100" dirty="0" smtClean="0"/>
-              <a:t>답변글</a:t>
-            </a:r>
-            <a:endParaRPr lang="en-US" altLang="ko-KR" sz="1100" dirty="0" smtClean="0"/>
-          </a:p>
-          <a:p>
-            <a:pPr algn="ctr"/>
-            <a:r>
-              <a:rPr lang="ko-KR" altLang="en-US" sz="1100" dirty="0" smtClean="0"/>
-              <a:t>작성</a:t>
-            </a:r>
-            <a:endParaRPr lang="ko-KR" altLang="en-US" sz="1100" dirty="0"/>
-          </a:p>
-        </p:txBody>
-      </p:sp>
-      <p:sp>
-        <p:nvSpPr>
-          <p:cNvPr id="299" name="타원 298"/>
-          <p:cNvSpPr/>
-          <p:nvPr/>
-        </p:nvSpPr>
-        <p:spPr>
-          <a:xfrm>
-            <a:off x="7963134" y="2177853"/>
-            <a:ext cx="853183" cy="477748"/>
-          </a:xfrm>
-          <a:prstGeom prst="ellipse">
-            <a:avLst/>
-          </a:prstGeom>
-        </p:spPr>
-        <p:style>
-          <a:lnRef idx="2">
-            <a:schemeClr val="dk1"/>
-          </a:lnRef>
-          <a:fillRef idx="1">
-            <a:schemeClr val="lt1"/>
-          </a:fillRef>
-          <a:effectRef idx="0">
-            <a:schemeClr val="dk1"/>
-          </a:effectRef>
-          <a:fontRef idx="minor">
-            <a:schemeClr val="dk1"/>
-          </a:fontRef>
-        </p:style>
-        <p:txBody>
-          <a:bodyPr rtlCol="0" anchor="ctr"/>
-          <a:lstStyle/>
-          <a:p>
-            <a:pPr algn="ctr"/>
-            <a:r>
-              <a:rPr lang="ko-KR" altLang="en-US" sz="1100" dirty="0" smtClean="0"/>
-              <a:t>게시글</a:t>
-            </a:r>
-            <a:endParaRPr lang="en-US" altLang="ko-KR" sz="1100" dirty="0" smtClean="0"/>
-          </a:p>
-          <a:p>
-            <a:pPr algn="ctr"/>
-            <a:r>
-              <a:rPr lang="ko-KR" altLang="en-US" sz="1100" dirty="0" smtClean="0"/>
-              <a:t>조회</a:t>
-            </a:r>
-            <a:endParaRPr lang="ko-KR" altLang="en-US" sz="1100" dirty="0"/>
-          </a:p>
-        </p:txBody>
-      </p:sp>
       <p:cxnSp>
         <p:nvCxnSpPr>
           <p:cNvPr id="307" name="구부러진 연결선 306"/>
@@ -11166,42 +11026,6 @@
           </a:p>
         </p:txBody>
       </p:sp>
-      <p:cxnSp>
-        <p:nvCxnSpPr>
-          <p:cNvPr id="106" name="구부러진 연결선 105"/>
-          <p:cNvCxnSpPr>
-            <a:stCxn id="24" idx="7"/>
-            <a:endCxn id="263" idx="1"/>
-          </p:cNvCxnSpPr>
-          <p:nvPr/>
-        </p:nvCxnSpPr>
-        <p:spPr>
-          <a:xfrm rot="5400000" flipH="1" flipV="1">
-            <a:off x="6318335" y="1677881"/>
-            <a:ext cx="429066" cy="2246643"/>
-          </a:xfrm>
-          <a:prstGeom prst="curvedConnector2">
-            <a:avLst/>
-          </a:prstGeom>
-          <a:ln>
-            <a:tailEnd type="triangle"/>
-          </a:ln>
-        </p:spPr>
-        <p:style>
-          <a:lnRef idx="3">
-            <a:schemeClr val="dk1"/>
-          </a:lnRef>
-          <a:fillRef idx="0">
-            <a:schemeClr val="dk1"/>
-          </a:fillRef>
-          <a:effectRef idx="2">
-            <a:schemeClr val="dk1"/>
-          </a:effectRef>
-          <a:fontRef idx="minor">
-            <a:schemeClr val="tx1"/>
-          </a:fontRef>
-        </p:style>
-      </p:cxnSp>
       <p:sp>
         <p:nvSpPr>
           <p:cNvPr id="110" name="타원 109"/>

--- a/문서 관리/07. 유스케이스/07. 유스케이스(사용자,상담사).pptx
+++ b/문서 관리/07. 유스케이스/07. 유스케이스(사용자,상담사).pptx
@@ -6,7 +6,7 @@
   </p:sldMasterIdLst>
   <p:sldIdLst>
     <p:sldId id="256" r:id="rId2"/>
-    <p:sldId id="258" r:id="rId3"/>
+    <p:sldId id="257" r:id="rId3"/>
   </p:sldIdLst>
   <p:sldSz cx="12192000" cy="6858000"/>
   <p:notesSz cx="6858000" cy="9144000"/>
@@ -244,7 +244,7 @@
           <a:p>
             <a:fld id="{19FDD50A-CFF0-4AD3-91EA-AE2AFF9D3E3A}" type="datetimeFigureOut">
               <a:rPr lang="ko-KR" altLang="en-US" smtClean="0"/>
-              <a:t>2023-05-08</a:t>
+              <a:t>2023-05-09</a:t>
             </a:fld>
             <a:endParaRPr lang="ko-KR" altLang="en-US"/>
           </a:p>
@@ -414,7 +414,7 @@
           <a:p>
             <a:fld id="{19FDD50A-CFF0-4AD3-91EA-AE2AFF9D3E3A}" type="datetimeFigureOut">
               <a:rPr lang="ko-KR" altLang="en-US" smtClean="0"/>
-              <a:t>2023-05-08</a:t>
+              <a:t>2023-05-09</a:t>
             </a:fld>
             <a:endParaRPr lang="ko-KR" altLang="en-US"/>
           </a:p>
@@ -594,7 +594,7 @@
           <a:p>
             <a:fld id="{19FDD50A-CFF0-4AD3-91EA-AE2AFF9D3E3A}" type="datetimeFigureOut">
               <a:rPr lang="ko-KR" altLang="en-US" smtClean="0"/>
-              <a:t>2023-05-08</a:t>
+              <a:t>2023-05-09</a:t>
             </a:fld>
             <a:endParaRPr lang="ko-KR" altLang="en-US"/>
           </a:p>
@@ -764,7 +764,7 @@
           <a:p>
             <a:fld id="{19FDD50A-CFF0-4AD3-91EA-AE2AFF9D3E3A}" type="datetimeFigureOut">
               <a:rPr lang="ko-KR" altLang="en-US" smtClean="0"/>
-              <a:t>2023-05-08</a:t>
+              <a:t>2023-05-09</a:t>
             </a:fld>
             <a:endParaRPr lang="ko-KR" altLang="en-US"/>
           </a:p>
@@ -1010,7 +1010,7 @@
           <a:p>
             <a:fld id="{19FDD50A-CFF0-4AD3-91EA-AE2AFF9D3E3A}" type="datetimeFigureOut">
               <a:rPr lang="ko-KR" altLang="en-US" smtClean="0"/>
-              <a:t>2023-05-08</a:t>
+              <a:t>2023-05-09</a:t>
             </a:fld>
             <a:endParaRPr lang="ko-KR" altLang="en-US"/>
           </a:p>
@@ -1242,7 +1242,7 @@
           <a:p>
             <a:fld id="{19FDD50A-CFF0-4AD3-91EA-AE2AFF9D3E3A}" type="datetimeFigureOut">
               <a:rPr lang="ko-KR" altLang="en-US" smtClean="0"/>
-              <a:t>2023-05-08</a:t>
+              <a:t>2023-05-09</a:t>
             </a:fld>
             <a:endParaRPr lang="ko-KR" altLang="en-US"/>
           </a:p>
@@ -1609,7 +1609,7 @@
           <a:p>
             <a:fld id="{19FDD50A-CFF0-4AD3-91EA-AE2AFF9D3E3A}" type="datetimeFigureOut">
               <a:rPr lang="ko-KR" altLang="en-US" smtClean="0"/>
-              <a:t>2023-05-08</a:t>
+              <a:t>2023-05-09</a:t>
             </a:fld>
             <a:endParaRPr lang="ko-KR" altLang="en-US"/>
           </a:p>
@@ -1727,7 +1727,7 @@
           <a:p>
             <a:fld id="{19FDD50A-CFF0-4AD3-91EA-AE2AFF9D3E3A}" type="datetimeFigureOut">
               <a:rPr lang="ko-KR" altLang="en-US" smtClean="0"/>
-              <a:t>2023-05-08</a:t>
+              <a:t>2023-05-09</a:t>
             </a:fld>
             <a:endParaRPr lang="ko-KR" altLang="en-US"/>
           </a:p>
@@ -1822,7 +1822,7 @@
           <a:p>
             <a:fld id="{19FDD50A-CFF0-4AD3-91EA-AE2AFF9D3E3A}" type="datetimeFigureOut">
               <a:rPr lang="ko-KR" altLang="en-US" smtClean="0"/>
-              <a:t>2023-05-08</a:t>
+              <a:t>2023-05-09</a:t>
             </a:fld>
             <a:endParaRPr lang="ko-KR" altLang="en-US"/>
           </a:p>
@@ -2099,7 +2099,7 @@
           <a:p>
             <a:fld id="{19FDD50A-CFF0-4AD3-91EA-AE2AFF9D3E3A}" type="datetimeFigureOut">
               <a:rPr lang="ko-KR" altLang="en-US" smtClean="0"/>
-              <a:t>2023-05-08</a:t>
+              <a:t>2023-05-09</a:t>
             </a:fld>
             <a:endParaRPr lang="ko-KR" altLang="en-US"/>
           </a:p>
@@ -2352,7 +2352,7 @@
           <a:p>
             <a:fld id="{19FDD50A-CFF0-4AD3-91EA-AE2AFF9D3E3A}" type="datetimeFigureOut">
               <a:rPr lang="ko-KR" altLang="en-US" smtClean="0"/>
-              <a:t>2023-05-08</a:t>
+              <a:t>2023-05-09</a:t>
             </a:fld>
             <a:endParaRPr lang="ko-KR" altLang="en-US"/>
           </a:p>
@@ -2565,7 +2565,7 @@
           <a:p>
             <a:fld id="{19FDD50A-CFF0-4AD3-91EA-AE2AFF9D3E3A}" type="datetimeFigureOut">
               <a:rPr lang="ko-KR" altLang="en-US" smtClean="0"/>
-              <a:t>2023-05-08</a:t>
+              <a:t>2023-05-09</a:t>
             </a:fld>
             <a:endParaRPr lang="ko-KR" altLang="en-US"/>
           </a:p>
@@ -3345,8 +3345,8 @@
         </p:nvSpPr>
         <p:spPr>
           <a:xfrm>
-            <a:off x="4206174" y="112060"/>
-            <a:ext cx="1699365" cy="1960990"/>
+            <a:off x="4189847" y="310882"/>
+            <a:ext cx="1699365" cy="1506492"/>
           </a:xfrm>
           <a:prstGeom prst="rect">
             <a:avLst/>
@@ -3423,13 +3423,15 @@
       <p:cxnSp>
         <p:nvCxnSpPr>
           <p:cNvPr id="47" name="구부러진 연결선 46"/>
-          <p:cNvCxnSpPr/>
+          <p:cNvCxnSpPr>
+            <a:endCxn id="11" idx="4"/>
+          </p:cNvCxnSpPr>
           <p:nvPr/>
         </p:nvCxnSpPr>
         <p:spPr>
           <a:xfrm rot="5400000" flipH="1" flipV="1">
-            <a:off x="6074090" y="2478983"/>
-            <a:ext cx="616626" cy="305454"/>
+            <a:off x="6028403" y="2583398"/>
+            <a:ext cx="557900" cy="155352"/>
           </a:xfrm>
           <a:prstGeom prst="curvedConnector3">
             <a:avLst>
@@ -3500,13 +3502,15 @@
       <p:cxnSp>
         <p:nvCxnSpPr>
           <p:cNvPr id="60" name="구부러진 연결선 59"/>
-          <p:cNvCxnSpPr/>
+          <p:cNvCxnSpPr>
+            <a:endCxn id="41" idx="2"/>
+          </p:cNvCxnSpPr>
           <p:nvPr/>
         </p:nvCxnSpPr>
         <p:spPr>
           <a:xfrm rot="16200000" flipV="1">
-            <a:off x="5190330" y="2079656"/>
-            <a:ext cx="923727" cy="910516"/>
+            <a:off x="4983789" y="1873115"/>
+            <a:ext cx="1179404" cy="1067922"/>
           </a:xfrm>
           <a:prstGeom prst="curvedConnector3">
             <a:avLst>
@@ -3836,7 +3840,7 @@
         </p:nvSpPr>
         <p:spPr>
           <a:xfrm>
-            <a:off x="5955681" y="1845439"/>
+            <a:off x="5847613" y="1903628"/>
             <a:ext cx="1074832" cy="478496"/>
           </a:xfrm>
           <a:prstGeom prst="ellipse">
@@ -3878,7 +3882,7 @@
         </p:nvSpPr>
         <p:spPr>
           <a:xfrm>
-            <a:off x="10770969" y="1730976"/>
+            <a:off x="10729404" y="1730976"/>
             <a:ext cx="1146174" cy="482295"/>
           </a:xfrm>
           <a:prstGeom prst="ellipse">
@@ -3920,7 +3924,7 @@
         </p:nvSpPr>
         <p:spPr>
           <a:xfrm>
-            <a:off x="10764691" y="1157017"/>
+            <a:off x="10723126" y="1157017"/>
             <a:ext cx="1146174" cy="482295"/>
           </a:xfrm>
           <a:prstGeom prst="ellipse">
@@ -3970,7 +3974,7 @@
         </p:nvSpPr>
         <p:spPr>
           <a:xfrm>
-            <a:off x="9464918" y="1150162"/>
+            <a:off x="9423353" y="1150162"/>
             <a:ext cx="1146174" cy="482295"/>
           </a:xfrm>
           <a:prstGeom prst="ellipse">
@@ -3998,7 +4002,7 @@
             <a:pPr algn="ctr"/>
             <a:r>
               <a:rPr lang="ko-KR" altLang="en-US" sz="1100" dirty="0" smtClean="0"/>
-              <a:t>화상 상담</a:t>
+              <a:t>비대면 </a:t>
             </a:r>
             <a:endParaRPr lang="en-US" altLang="ko-KR" sz="1100" dirty="0" smtClean="0"/>
           </a:p>
@@ -4006,7 +4010,7 @@
             <a:pPr algn="ctr"/>
             <a:r>
               <a:rPr lang="ko-KR" altLang="en-US" sz="1100" dirty="0" smtClean="0"/>
-              <a:t>예약</a:t>
+              <a:t>상담 예약</a:t>
             </a:r>
             <a:endParaRPr lang="ko-KR" altLang="en-US" sz="1100" dirty="0"/>
           </a:p>
@@ -4014,13 +4018,13 @@
       </p:sp>
       <p:sp>
         <p:nvSpPr>
-          <p:cNvPr id="57" name="타원 56"/>
-          <p:cNvSpPr/>
-          <p:nvPr/>
-        </p:nvSpPr>
-        <p:spPr>
-          <a:xfrm>
-            <a:off x="9464918" y="1719930"/>
+          <p:cNvPr id="58" name="타원 57"/>
+          <p:cNvSpPr/>
+          <p:nvPr/>
+        </p:nvSpPr>
+        <p:spPr>
+          <a:xfrm>
+            <a:off x="10729404" y="2277242"/>
             <a:ext cx="1146174" cy="482295"/>
           </a:xfrm>
           <a:prstGeom prst="ellipse">
@@ -4048,7 +4052,7 @@
             <a:pPr algn="ctr"/>
             <a:r>
               <a:rPr lang="ko-KR" altLang="en-US" sz="1100" dirty="0" smtClean="0"/>
-              <a:t>전화상담</a:t>
+              <a:t>희망 일시</a:t>
             </a:r>
             <a:endParaRPr lang="en-US" altLang="ko-KR" sz="1100" dirty="0" smtClean="0"/>
           </a:p>
@@ -4056,7 +4060,7 @@
             <a:pPr algn="ctr"/>
             <a:r>
               <a:rPr lang="ko-KR" altLang="en-US" sz="1100" dirty="0" smtClean="0"/>
-              <a:t>예약</a:t>
+              <a:t>등록</a:t>
             </a:r>
             <a:endParaRPr lang="ko-KR" altLang="en-US" sz="1100" dirty="0"/>
           </a:p>
@@ -4064,13 +4068,13 @@
       </p:sp>
       <p:sp>
         <p:nvSpPr>
-          <p:cNvPr id="58" name="타원 57"/>
-          <p:cNvSpPr/>
-          <p:nvPr/>
-        </p:nvSpPr>
-        <p:spPr>
-          <a:xfrm>
-            <a:off x="10770969" y="2277242"/>
+          <p:cNvPr id="59" name="타원 58"/>
+          <p:cNvSpPr/>
+          <p:nvPr/>
+        </p:nvSpPr>
+        <p:spPr>
+          <a:xfrm>
+            <a:off x="9404364" y="588931"/>
             <a:ext cx="1146174" cy="482295"/>
           </a:xfrm>
           <a:prstGeom prst="ellipse">
@@ -4098,15 +4102,7 @@
             <a:pPr algn="ctr"/>
             <a:r>
               <a:rPr lang="ko-KR" altLang="en-US" sz="1100" dirty="0" smtClean="0"/>
-              <a:t>희망 일시</a:t>
-            </a:r>
-            <a:endParaRPr lang="en-US" altLang="ko-KR" sz="1100" dirty="0" smtClean="0"/>
-          </a:p>
-          <a:p>
-            <a:pPr algn="ctr"/>
-            <a:r>
-              <a:rPr lang="ko-KR" altLang="en-US" sz="1100" dirty="0" smtClean="0"/>
-              <a:t>등록</a:t>
+              <a:t>이용안내</a:t>
             </a:r>
             <a:endParaRPr lang="ko-KR" altLang="en-US" sz="1100" dirty="0"/>
           </a:p>
@@ -4114,55 +4110,13 @@
       </p:sp>
       <p:sp>
         <p:nvSpPr>
-          <p:cNvPr id="59" name="타원 58"/>
-          <p:cNvSpPr/>
-          <p:nvPr/>
-        </p:nvSpPr>
-        <p:spPr>
-          <a:xfrm>
-            <a:off x="9445929" y="588931"/>
-            <a:ext cx="1146174" cy="482295"/>
-          </a:xfrm>
-          <a:prstGeom prst="ellipse">
-            <a:avLst/>
-          </a:prstGeom>
-        </p:spPr>
-        <p:style>
-          <a:lnRef idx="2">
-            <a:schemeClr val="dk1"/>
-          </a:lnRef>
-          <a:fillRef idx="1">
-            <a:schemeClr val="lt1"/>
-          </a:fillRef>
-          <a:effectRef idx="0">
-            <a:schemeClr val="dk1"/>
-          </a:effectRef>
-          <a:fontRef idx="minor">
-            <a:schemeClr val="dk1"/>
-          </a:fontRef>
-        </p:style>
-        <p:txBody>
-          <a:bodyPr rtlCol="0" anchor="ctr"/>
-          <a:lstStyle/>
-          <a:p>
-            <a:pPr algn="ctr"/>
-            <a:r>
-              <a:rPr lang="ko-KR" altLang="en-US" sz="1100" dirty="0" smtClean="0"/>
-              <a:t>이용안내</a:t>
-            </a:r>
-            <a:endParaRPr lang="ko-KR" altLang="en-US" sz="1100" dirty="0"/>
-          </a:p>
-        </p:txBody>
-      </p:sp>
-      <p:sp>
-        <p:nvSpPr>
           <p:cNvPr id="62" name="타원 61"/>
           <p:cNvSpPr/>
           <p:nvPr/>
         </p:nvSpPr>
         <p:spPr>
           <a:xfrm>
-            <a:off x="4303177" y="401809"/>
+            <a:off x="4286850" y="616133"/>
             <a:ext cx="1525251" cy="579703"/>
           </a:xfrm>
           <a:prstGeom prst="ellipse">
@@ -4211,7 +4165,7 @@
         </p:nvSpPr>
         <p:spPr>
           <a:xfrm>
-            <a:off x="4390543" y="1026777"/>
+            <a:off x="4374216" y="1257727"/>
             <a:ext cx="1318725" cy="467070"/>
           </a:xfrm>
           <a:prstGeom prst="ellipse">
@@ -4239,49 +4193,11 @@
             <a:pPr algn="ctr"/>
             <a:r>
               <a:rPr lang="ko-KR" altLang="en-US" sz="1100" dirty="0" smtClean="0"/>
-              <a:t>위치 정보</a:t>
-            </a:r>
-            <a:endParaRPr lang="ko-KR" altLang="en-US" sz="1100" dirty="0"/>
-          </a:p>
-        </p:txBody>
-      </p:sp>
-      <p:sp>
-        <p:nvSpPr>
-          <p:cNvPr id="64" name="타원 63"/>
-          <p:cNvSpPr/>
-          <p:nvPr/>
-        </p:nvSpPr>
-        <p:spPr>
-          <a:xfrm>
-            <a:off x="4390544" y="1539112"/>
-            <a:ext cx="1318725" cy="467070"/>
-          </a:xfrm>
-          <a:prstGeom prst="ellipse">
-            <a:avLst/>
-          </a:prstGeom>
-        </p:spPr>
-        <p:style>
-          <a:lnRef idx="2">
-            <a:schemeClr val="dk1"/>
-          </a:lnRef>
-          <a:fillRef idx="1">
-            <a:schemeClr val="lt1"/>
-          </a:fillRef>
-          <a:effectRef idx="0">
-            <a:schemeClr val="dk1"/>
-          </a:effectRef>
-          <a:fontRef idx="minor">
-            <a:schemeClr val="dk1"/>
-          </a:fontRef>
-        </p:style>
-        <p:txBody>
-          <a:bodyPr rtlCol="0" anchor="ctr"/>
-          <a:lstStyle/>
-          <a:p>
-            <a:pPr algn="ctr"/>
-            <a:r>
-              <a:rPr lang="ko-KR" altLang="en-US" sz="1100" dirty="0" smtClean="0"/>
-              <a:t>공지사항</a:t>
+              <a:t>위치 </a:t>
+            </a:r>
+            <a:r>
+              <a:rPr lang="ko-KR" altLang="en-US" sz="1100" dirty="0" smtClean="0"/>
+              <a:t>정보 조회</a:t>
             </a:r>
             <a:endParaRPr lang="ko-KR" altLang="en-US" sz="1100" dirty="0"/>
           </a:p>
@@ -4896,7 +4812,11 @@
             <a:pPr algn="ctr"/>
             <a:r>
               <a:rPr lang="ko-KR" altLang="en-US" sz="1100" dirty="0" smtClean="0"/>
-              <a:t>이력 확인</a:t>
+              <a:t>결과</a:t>
+            </a:r>
+            <a:r>
+              <a:rPr lang="ko-KR" altLang="en-US" sz="1100" dirty="0" smtClean="0"/>
+              <a:t> 조회</a:t>
             </a:r>
             <a:endParaRPr lang="ko-KR" altLang="en-US" sz="1100" dirty="0"/>
           </a:p>
@@ -5646,8 +5566,8 @@
         </p:nvSpPr>
         <p:spPr>
           <a:xfrm>
-            <a:off x="10832272" y="2810684"/>
-            <a:ext cx="1078593" cy="500536"/>
+            <a:off x="9412472" y="2821716"/>
+            <a:ext cx="1148742" cy="500536"/>
           </a:xfrm>
           <a:prstGeom prst="ellipse">
             <a:avLst/>
@@ -5696,7 +5616,7 @@
         </p:nvSpPr>
         <p:spPr>
           <a:xfrm>
-            <a:off x="9473339" y="2268924"/>
+            <a:off x="9427121" y="2267098"/>
             <a:ext cx="1145283" cy="500536"/>
           </a:xfrm>
           <a:prstGeom prst="ellipse">
@@ -6776,7 +6696,7 @@
         </p:nvSpPr>
         <p:spPr>
           <a:xfrm>
-            <a:off x="9464918" y="2833574"/>
+            <a:off x="9423353" y="1730975"/>
             <a:ext cx="1146174" cy="482295"/>
           </a:xfrm>
           <a:prstGeom prst="ellipse">
@@ -6804,7 +6724,7 @@
             <a:pPr algn="ctr"/>
             <a:r>
               <a:rPr lang="ko-KR" altLang="en-US" sz="1100" dirty="0" smtClean="0"/>
-              <a:t>상담 신청</a:t>
+              <a:t>신청 상태 확인</a:t>
             </a:r>
             <a:endParaRPr lang="ko-KR" altLang="en-US" sz="1100" dirty="0"/>
           </a:p>
@@ -6818,7 +6738,7 @@
         </p:nvSpPr>
         <p:spPr>
           <a:xfrm>
-            <a:off x="10764691" y="610751"/>
+            <a:off x="10723126" y="610751"/>
             <a:ext cx="1146174" cy="482295"/>
           </a:xfrm>
           <a:prstGeom prst="ellipse">
@@ -7013,8 +6933,8 @@
         </p:nvCxnSpPr>
         <p:spPr>
           <a:xfrm rot="10800000" flipV="1">
-            <a:off x="9111313" y="2519191"/>
-            <a:ext cx="362026" cy="67477"/>
+            <a:off x="9111313" y="2517365"/>
+            <a:ext cx="315808" cy="69303"/>
           </a:xfrm>
           <a:prstGeom prst="curvedConnector3">
             <a:avLst>
@@ -7265,6 +7185,60 @@
             <a:r>
               <a:rPr lang="ko-KR" altLang="en-US" sz="1100" dirty="0" smtClean="0"/>
               <a:t>실시</a:t>
+            </a:r>
+            <a:endParaRPr lang="ko-KR" altLang="en-US" sz="1100" dirty="0"/>
+          </a:p>
+        </p:txBody>
+      </p:sp>
+      <p:sp>
+        <p:nvSpPr>
+          <p:cNvPr id="106" name="타원 105"/>
+          <p:cNvSpPr/>
+          <p:nvPr/>
+        </p:nvSpPr>
+        <p:spPr>
+          <a:xfrm>
+            <a:off x="10611092" y="2830029"/>
+            <a:ext cx="1330062" cy="482295"/>
+          </a:xfrm>
+          <a:prstGeom prst="ellipse">
+            <a:avLst/>
+          </a:prstGeom>
+        </p:spPr>
+        <p:style>
+          <a:lnRef idx="2">
+            <a:schemeClr val="dk1"/>
+          </a:lnRef>
+          <a:fillRef idx="1">
+            <a:schemeClr val="lt1"/>
+          </a:fillRef>
+          <a:effectRef idx="0">
+            <a:schemeClr val="dk1"/>
+          </a:effectRef>
+          <a:fontRef idx="minor">
+            <a:schemeClr val="dk1"/>
+          </a:fontRef>
+        </p:style>
+        <p:txBody>
+          <a:bodyPr rtlCol="0" anchor="ctr"/>
+          <a:lstStyle/>
+          <a:p>
+            <a:pPr algn="ctr"/>
+            <a:r>
+              <a:rPr lang="ko-KR" altLang="en-US" sz="1100" dirty="0" smtClean="0"/>
+              <a:t>상담</a:t>
+            </a:r>
+            <a:r>
+              <a:rPr lang="en-US" altLang="ko-KR" sz="1100" dirty="0"/>
+              <a:t> </a:t>
+            </a:r>
+            <a:endParaRPr lang="en-US" altLang="ko-KR" sz="1100" dirty="0" smtClean="0"/>
+          </a:p>
+          <a:p>
+            <a:pPr algn="ctr"/>
+            <a:r>
+              <a:rPr lang="ko-KR" altLang="en-US" sz="1100" dirty="0" smtClean="0"/>
+              <a:t>페이지 이동</a:t>
             </a:r>
             <a:endParaRPr lang="ko-KR" altLang="en-US" sz="1100" dirty="0"/>
           </a:p>
@@ -7669,47 +7643,6 @@
       </p:sp>
       <p:sp>
         <p:nvSpPr>
-          <p:cNvPr id="41" name="직사각형 40"/>
-          <p:cNvSpPr/>
-          <p:nvPr/>
-        </p:nvSpPr>
-        <p:spPr>
-          <a:xfrm>
-            <a:off x="4206174" y="112060"/>
-            <a:ext cx="1699365" cy="1960990"/>
-          </a:xfrm>
-          <a:prstGeom prst="rect">
-            <a:avLst/>
-          </a:prstGeom>
-        </p:spPr>
-        <p:style>
-          <a:lnRef idx="2">
-            <a:schemeClr val="dk1"/>
-          </a:lnRef>
-          <a:fillRef idx="1">
-            <a:schemeClr val="lt1"/>
-          </a:fillRef>
-          <a:effectRef idx="0">
-            <a:schemeClr val="dk1"/>
-          </a:effectRef>
-          <a:fontRef idx="minor">
-            <a:schemeClr val="dk1"/>
-          </a:fontRef>
-        </p:style>
-        <p:txBody>
-          <a:bodyPr rtlCol="0" anchor="t"/>
-          <a:lstStyle/>
-          <a:p>
-            <a:pPr algn="ctr"/>
-            <a:r>
-              <a:rPr lang="en-US" altLang="ko-KR" sz="1200" dirty="0" smtClean="0"/>
-              <a:t>Wee-Network</a:t>
-            </a:r>
-          </a:p>
-        </p:txBody>
-      </p:sp>
-      <p:sp>
-        <p:nvSpPr>
           <p:cNvPr id="44" name="직사각형 43"/>
           <p:cNvSpPr/>
           <p:nvPr/>
@@ -7836,13 +7769,15 @@
       <p:cxnSp>
         <p:nvCxnSpPr>
           <p:cNvPr id="60" name="구부러진 연결선 59"/>
-          <p:cNvCxnSpPr/>
+          <p:cNvCxnSpPr>
+            <a:endCxn id="96" idx="2"/>
+          </p:cNvCxnSpPr>
           <p:nvPr/>
         </p:nvCxnSpPr>
         <p:spPr>
           <a:xfrm rot="16200000" flipV="1">
-            <a:off x="5190330" y="2079656"/>
-            <a:ext cx="923727" cy="910516"/>
+            <a:off x="4983790" y="1873115"/>
+            <a:ext cx="1179405" cy="1067923"/>
           </a:xfrm>
           <a:prstGeom prst="curvedConnector3">
             <a:avLst>
@@ -8274,139 +8209,6 @@
       </p:sp>
       <p:sp>
         <p:nvSpPr>
-          <p:cNvPr id="62" name="타원 61"/>
-          <p:cNvSpPr/>
-          <p:nvPr/>
-        </p:nvSpPr>
-        <p:spPr>
-          <a:xfrm>
-            <a:off x="4303177" y="401809"/>
-            <a:ext cx="1525251" cy="579703"/>
-          </a:xfrm>
-          <a:prstGeom prst="ellipse">
-            <a:avLst/>
-          </a:prstGeom>
-        </p:spPr>
-        <p:style>
-          <a:lnRef idx="2">
-            <a:schemeClr val="dk1"/>
-          </a:lnRef>
-          <a:fillRef idx="1">
-            <a:schemeClr val="lt1"/>
-          </a:fillRef>
-          <a:effectRef idx="0">
-            <a:schemeClr val="dk1"/>
-          </a:effectRef>
-          <a:fontRef idx="minor">
-            <a:schemeClr val="dk1"/>
-          </a:fontRef>
-        </p:style>
-        <p:txBody>
-          <a:bodyPr rtlCol="0" anchor="ctr"/>
-          <a:lstStyle/>
-          <a:p>
-            <a:pPr algn="ctr"/>
-            <a:r>
-              <a:rPr lang="en-US" altLang="ko-KR" sz="1100" dirty="0" smtClean="0"/>
-              <a:t>Wee-Network</a:t>
-            </a:r>
-          </a:p>
-          <a:p>
-            <a:pPr algn="ctr"/>
-            <a:r>
-              <a:rPr lang="ko-KR" altLang="en-US" sz="1100" dirty="0" smtClean="0"/>
-              <a:t>소개</a:t>
-            </a:r>
-            <a:endParaRPr lang="ko-KR" altLang="en-US" sz="1100" dirty="0"/>
-          </a:p>
-        </p:txBody>
-      </p:sp>
-      <p:sp>
-        <p:nvSpPr>
-          <p:cNvPr id="63" name="타원 62"/>
-          <p:cNvSpPr/>
-          <p:nvPr/>
-        </p:nvSpPr>
-        <p:spPr>
-          <a:xfrm>
-            <a:off x="4390543" y="1026777"/>
-            <a:ext cx="1318725" cy="467070"/>
-          </a:xfrm>
-          <a:prstGeom prst="ellipse">
-            <a:avLst/>
-          </a:prstGeom>
-        </p:spPr>
-        <p:style>
-          <a:lnRef idx="2">
-            <a:schemeClr val="dk1"/>
-          </a:lnRef>
-          <a:fillRef idx="1">
-            <a:schemeClr val="lt1"/>
-          </a:fillRef>
-          <a:effectRef idx="0">
-            <a:schemeClr val="dk1"/>
-          </a:effectRef>
-          <a:fontRef idx="minor">
-            <a:schemeClr val="dk1"/>
-          </a:fontRef>
-        </p:style>
-        <p:txBody>
-          <a:bodyPr rtlCol="0" anchor="ctr"/>
-          <a:lstStyle/>
-          <a:p>
-            <a:pPr algn="ctr"/>
-            <a:r>
-              <a:rPr lang="ko-KR" altLang="en-US" sz="1100" dirty="0" smtClean="0"/>
-              <a:t>위치 정보</a:t>
-            </a:r>
-            <a:endParaRPr lang="ko-KR" altLang="en-US" sz="1100" dirty="0"/>
-          </a:p>
-        </p:txBody>
-      </p:sp>
-      <p:sp>
-        <p:nvSpPr>
-          <p:cNvPr id="64" name="타원 63"/>
-          <p:cNvSpPr/>
-          <p:nvPr/>
-        </p:nvSpPr>
-        <p:spPr>
-          <a:xfrm>
-            <a:off x="4390544" y="1539112"/>
-            <a:ext cx="1318725" cy="467070"/>
-          </a:xfrm>
-          <a:prstGeom prst="ellipse">
-            <a:avLst/>
-          </a:prstGeom>
-        </p:spPr>
-        <p:style>
-          <a:lnRef idx="2">
-            <a:schemeClr val="dk1"/>
-          </a:lnRef>
-          <a:fillRef idx="1">
-            <a:schemeClr val="lt1"/>
-          </a:fillRef>
-          <a:effectRef idx="0">
-            <a:schemeClr val="dk1"/>
-          </a:effectRef>
-          <a:fontRef idx="minor">
-            <a:schemeClr val="dk1"/>
-          </a:fontRef>
-        </p:style>
-        <p:txBody>
-          <a:bodyPr rtlCol="0" anchor="ctr"/>
-          <a:lstStyle/>
-          <a:p>
-            <a:pPr algn="ctr"/>
-            <a:r>
-              <a:rPr lang="ko-KR" altLang="en-US" sz="1100" dirty="0" smtClean="0"/>
-              <a:t>공지사항</a:t>
-            </a:r>
-            <a:endParaRPr lang="ko-KR" altLang="en-US" sz="1100" dirty="0"/>
-          </a:p>
-        </p:txBody>
-      </p:sp>
-      <p:sp>
-        <p:nvSpPr>
           <p:cNvPr id="65" name="타원 64"/>
           <p:cNvSpPr/>
           <p:nvPr/>
@@ -8805,16 +8607,24 @@
           <a:p>
             <a:pPr algn="ctr"/>
             <a:r>
-              <a:rPr lang="ko-KR" altLang="en-US" sz="1100" dirty="0" smtClean="0"/>
-              <a:t>상담신청</a:t>
-            </a:r>
-            <a:endParaRPr lang="en-US" altLang="ko-KR" sz="1100" dirty="0" smtClean="0"/>
-          </a:p>
-          <a:p>
-            <a:pPr algn="ctr"/>
-            <a:r>
-              <a:rPr lang="ko-KR" altLang="en-US" sz="1100" dirty="0" smtClean="0"/>
-              <a:t>현황 조회</a:t>
+              <a:rPr lang="ko-KR" altLang="en-US" sz="1100" dirty="0"/>
+              <a:t>내담자</a:t>
+            </a:r>
+            <a:endParaRPr lang="en-US" altLang="ko-KR" sz="1100" dirty="0"/>
+          </a:p>
+          <a:p>
+            <a:pPr algn="ctr"/>
+            <a:r>
+              <a:rPr lang="ko-KR" altLang="en-US" sz="1100" dirty="0"/>
+              <a:t>상담 정보</a:t>
+            </a:r>
+            <a:endParaRPr lang="en-US" altLang="ko-KR" sz="1100" dirty="0"/>
+          </a:p>
+          <a:p>
+            <a:pPr algn="ctr"/>
+            <a:r>
+              <a:rPr lang="ko-KR" altLang="en-US" sz="1100" dirty="0"/>
+              <a:t>조회</a:t>
             </a:r>
             <a:endParaRPr lang="ko-KR" altLang="en-US" sz="1100" dirty="0"/>
           </a:p>
@@ -8855,24 +8665,16 @@
           <a:p>
             <a:pPr algn="ctr"/>
             <a:r>
-              <a:rPr lang="ko-KR" altLang="en-US" sz="1100" dirty="0" smtClean="0"/>
-              <a:t>내담자</a:t>
+              <a:rPr lang="ko-KR" altLang="en-US" sz="1100" dirty="0"/>
+              <a:t>게시판</a:t>
             </a:r>
             <a:endParaRPr lang="en-US" altLang="ko-KR" sz="1100" dirty="0"/>
           </a:p>
           <a:p>
             <a:pPr algn="ctr"/>
             <a:r>
-              <a:rPr lang="ko-KR" altLang="en-US" sz="1100" dirty="0" smtClean="0"/>
-              <a:t>상담 정보</a:t>
-            </a:r>
-            <a:endParaRPr lang="en-US" altLang="ko-KR" sz="1100" dirty="0" smtClean="0"/>
-          </a:p>
-          <a:p>
-            <a:pPr algn="ctr"/>
-            <a:r>
-              <a:rPr lang="ko-KR" altLang="en-US" sz="1100" dirty="0" smtClean="0"/>
-              <a:t>조회</a:t>
+              <a:rPr lang="ko-KR" altLang="en-US" sz="1100" dirty="0"/>
+              <a:t>상담 확인</a:t>
             </a:r>
             <a:endParaRPr lang="ko-KR" altLang="en-US" sz="1100" dirty="0"/>
           </a:p>
@@ -8914,7 +8716,60 @@
             <a:pPr algn="ctr"/>
             <a:r>
               <a:rPr lang="ko-KR" altLang="en-US" sz="1100" dirty="0" smtClean="0"/>
-              <a:t>게시판</a:t>
+              <a:t>스윗</a:t>
+            </a:r>
+            <a:r>
+              <a:rPr lang="en-US" altLang="ko-KR" sz="1100" dirty="0" smtClean="0"/>
+              <a:t>(SWeeT)</a:t>
+            </a:r>
+          </a:p>
+          <a:p>
+            <a:pPr algn="ctr"/>
+            <a:r>
+              <a:rPr lang="ko-KR" altLang="en-US" sz="1100" dirty="0" smtClean="0"/>
+              <a:t>확인</a:t>
+            </a:r>
+            <a:endParaRPr lang="ko-KR" altLang="en-US" sz="1100" dirty="0"/>
+          </a:p>
+        </p:txBody>
+      </p:sp>
+      <p:sp>
+        <p:nvSpPr>
+          <p:cNvPr id="92" name="타원 91"/>
+          <p:cNvSpPr/>
+          <p:nvPr/>
+        </p:nvSpPr>
+        <p:spPr>
+          <a:xfrm>
+            <a:off x="2150487" y="1760286"/>
+            <a:ext cx="1630666" cy="563658"/>
+          </a:xfrm>
+          <a:prstGeom prst="ellipse">
+            <a:avLst/>
+          </a:prstGeom>
+        </p:spPr>
+        <p:style>
+          <a:lnRef idx="2">
+            <a:schemeClr val="dk1"/>
+          </a:lnRef>
+          <a:fillRef idx="1">
+            <a:schemeClr val="lt1"/>
+          </a:fillRef>
+          <a:effectRef idx="0">
+            <a:schemeClr val="dk1"/>
+          </a:effectRef>
+          <a:fontRef idx="minor">
+            <a:schemeClr val="dk1"/>
+          </a:fontRef>
+        </p:style>
+        <p:txBody>
+          <a:bodyPr rtlCol="0" anchor="ctr"/>
+          <a:lstStyle/>
+          <a:p>
+            <a:pPr algn="ctr"/>
+            <a:r>
+              <a:rPr lang="ko-KR" altLang="en-US" sz="1100" dirty="0" smtClean="0"/>
+              <a:t>상담 만족도</a:t>
             </a:r>
             <a:endParaRPr lang="en-US" altLang="ko-KR" sz="1100" dirty="0" smtClean="0"/>
           </a:p>
@@ -8922,7 +8777,7 @@
             <a:pPr algn="ctr"/>
             <a:r>
               <a:rPr lang="ko-KR" altLang="en-US" sz="1100" dirty="0" smtClean="0"/>
-              <a:t>상담 확인</a:t>
+              <a:t>검사 결과 조회</a:t>
             </a:r>
             <a:endParaRPr lang="ko-KR" altLang="en-US" sz="1100" dirty="0"/>
           </a:p>
@@ -8930,14 +8785,14 @@
       </p:sp>
       <p:sp>
         <p:nvSpPr>
-          <p:cNvPr id="92" name="타원 91"/>
-          <p:cNvSpPr/>
-          <p:nvPr/>
-        </p:nvSpPr>
-        <p:spPr>
-          <a:xfrm>
-            <a:off x="2139170" y="1759739"/>
-            <a:ext cx="1630666" cy="563658"/>
+          <p:cNvPr id="95" name="타원 94"/>
+          <p:cNvSpPr/>
+          <p:nvPr/>
+        </p:nvSpPr>
+        <p:spPr>
+          <a:xfrm>
+            <a:off x="607424" y="1765433"/>
+            <a:ext cx="1476337" cy="567926"/>
           </a:xfrm>
           <a:prstGeom prst="ellipse">
             <a:avLst/>
@@ -8963,70 +8818,16 @@
           <a:p>
             <a:pPr algn="ctr"/>
             <a:r>
-              <a:rPr lang="ko-KR" altLang="en-US" sz="1100" dirty="0" smtClean="0"/>
-              <a:t>상담 만족도</a:t>
-            </a:r>
-            <a:endParaRPr lang="en-US" altLang="ko-KR" sz="1100" dirty="0" smtClean="0"/>
-          </a:p>
-          <a:p>
-            <a:pPr algn="ctr"/>
-            <a:r>
-              <a:rPr lang="ko-KR" altLang="en-US" sz="1100" dirty="0" smtClean="0"/>
-              <a:t>검사 </a:t>
-            </a:r>
-            <a:r>
-              <a:rPr lang="ko-KR" altLang="en-US" sz="1100" dirty="0" smtClean="0"/>
+              <a:rPr lang="ko-KR" altLang="en-US" sz="1100" dirty="0"/>
+              <a:t>마음건강검사</a:t>
+            </a:r>
+            <a:endParaRPr lang="en-US" altLang="ko-KR" sz="1100" dirty="0"/>
+          </a:p>
+          <a:p>
+            <a:pPr algn="ctr"/>
+            <a:r>
+              <a:rPr lang="ko-KR" altLang="en-US" sz="1100" dirty="0"/>
               <a:t>결과 조회</a:t>
-            </a:r>
-            <a:endParaRPr lang="ko-KR" altLang="en-US" sz="1100" dirty="0"/>
-          </a:p>
-        </p:txBody>
-      </p:sp>
-      <p:sp>
-        <p:nvSpPr>
-          <p:cNvPr id="95" name="타원 94"/>
-          <p:cNvSpPr/>
-          <p:nvPr/>
-        </p:nvSpPr>
-        <p:spPr>
-          <a:xfrm>
-            <a:off x="572247" y="1748739"/>
-            <a:ext cx="1493481" cy="567926"/>
-          </a:xfrm>
-          <a:prstGeom prst="ellipse">
-            <a:avLst/>
-          </a:prstGeom>
-        </p:spPr>
-        <p:style>
-          <a:lnRef idx="2">
-            <a:schemeClr val="dk1"/>
-          </a:lnRef>
-          <a:fillRef idx="1">
-            <a:schemeClr val="lt1"/>
-          </a:fillRef>
-          <a:effectRef idx="0">
-            <a:schemeClr val="dk1"/>
-          </a:effectRef>
-          <a:fontRef idx="minor">
-            <a:schemeClr val="dk1"/>
-          </a:fontRef>
-        </p:style>
-        <p:txBody>
-          <a:bodyPr rtlCol="0" anchor="ctr"/>
-          <a:lstStyle/>
-          <a:p>
-            <a:pPr algn="ctr"/>
-            <a:r>
-              <a:rPr lang="ko-KR" altLang="en-US" sz="1100" dirty="0" smtClean="0"/>
-              <a:t>마음건강검사</a:t>
-            </a:r>
-            <a:endParaRPr lang="en-US" altLang="ko-KR" sz="1100" dirty="0" smtClean="0"/>
-          </a:p>
-          <a:p>
-            <a:pPr algn="ctr"/>
-            <a:r>
-              <a:rPr lang="ko-KR" altLang="en-US" sz="1100" dirty="0" smtClean="0"/>
-              <a:t>이력 확인</a:t>
             </a:r>
             <a:endParaRPr lang="ko-KR" altLang="en-US" sz="1100" dirty="0"/>
           </a:p>
@@ -11368,10 +11169,192 @@
           </a:p>
         </p:txBody>
       </p:sp>
+      <p:sp>
+        <p:nvSpPr>
+          <p:cNvPr id="96" name="직사각형 95"/>
+          <p:cNvSpPr/>
+          <p:nvPr/>
+        </p:nvSpPr>
+        <p:spPr>
+          <a:xfrm>
+            <a:off x="4189847" y="310882"/>
+            <a:ext cx="1699365" cy="1506492"/>
+          </a:xfrm>
+          <a:prstGeom prst="rect">
+            <a:avLst/>
+          </a:prstGeom>
+        </p:spPr>
+        <p:style>
+          <a:lnRef idx="2">
+            <a:schemeClr val="dk1"/>
+          </a:lnRef>
+          <a:fillRef idx="1">
+            <a:schemeClr val="lt1"/>
+          </a:fillRef>
+          <a:effectRef idx="0">
+            <a:schemeClr val="dk1"/>
+          </a:effectRef>
+          <a:fontRef idx="minor">
+            <a:schemeClr val="dk1"/>
+          </a:fontRef>
+        </p:style>
+        <p:txBody>
+          <a:bodyPr rtlCol="0" anchor="t"/>
+          <a:lstStyle/>
+          <a:p>
+            <a:pPr algn="ctr"/>
+            <a:r>
+              <a:rPr lang="en-US" altLang="ko-KR" sz="1200" dirty="0" smtClean="0"/>
+              <a:t>Wee-Network</a:t>
+            </a:r>
+          </a:p>
+        </p:txBody>
+      </p:sp>
+      <p:sp>
+        <p:nvSpPr>
+          <p:cNvPr id="97" name="타원 96"/>
+          <p:cNvSpPr/>
+          <p:nvPr/>
+        </p:nvSpPr>
+        <p:spPr>
+          <a:xfrm>
+            <a:off x="4286850" y="616133"/>
+            <a:ext cx="1525251" cy="579703"/>
+          </a:xfrm>
+          <a:prstGeom prst="ellipse">
+            <a:avLst/>
+          </a:prstGeom>
+        </p:spPr>
+        <p:style>
+          <a:lnRef idx="2">
+            <a:schemeClr val="dk1"/>
+          </a:lnRef>
+          <a:fillRef idx="1">
+            <a:schemeClr val="lt1"/>
+          </a:fillRef>
+          <a:effectRef idx="0">
+            <a:schemeClr val="dk1"/>
+          </a:effectRef>
+          <a:fontRef idx="minor">
+            <a:schemeClr val="dk1"/>
+          </a:fontRef>
+        </p:style>
+        <p:txBody>
+          <a:bodyPr rtlCol="0" anchor="ctr"/>
+          <a:lstStyle/>
+          <a:p>
+            <a:pPr algn="ctr"/>
+            <a:r>
+              <a:rPr lang="en-US" altLang="ko-KR" sz="1100" dirty="0" smtClean="0"/>
+              <a:t>Wee-Network</a:t>
+            </a:r>
+          </a:p>
+          <a:p>
+            <a:pPr algn="ctr"/>
+            <a:r>
+              <a:rPr lang="ko-KR" altLang="en-US" sz="1100" dirty="0" smtClean="0"/>
+              <a:t>소개</a:t>
+            </a:r>
+            <a:endParaRPr lang="ko-KR" altLang="en-US" sz="1100" dirty="0"/>
+          </a:p>
+        </p:txBody>
+      </p:sp>
+      <p:sp>
+        <p:nvSpPr>
+          <p:cNvPr id="98" name="타원 97"/>
+          <p:cNvSpPr/>
+          <p:nvPr/>
+        </p:nvSpPr>
+        <p:spPr>
+          <a:xfrm>
+            <a:off x="4374216" y="1257727"/>
+            <a:ext cx="1318725" cy="467070"/>
+          </a:xfrm>
+          <a:prstGeom prst="ellipse">
+            <a:avLst/>
+          </a:prstGeom>
+        </p:spPr>
+        <p:style>
+          <a:lnRef idx="2">
+            <a:schemeClr val="dk1"/>
+          </a:lnRef>
+          <a:fillRef idx="1">
+            <a:schemeClr val="lt1"/>
+          </a:fillRef>
+          <a:effectRef idx="0">
+            <a:schemeClr val="dk1"/>
+          </a:effectRef>
+          <a:fontRef idx="minor">
+            <a:schemeClr val="dk1"/>
+          </a:fontRef>
+        </p:style>
+        <p:txBody>
+          <a:bodyPr rtlCol="0" anchor="ctr"/>
+          <a:lstStyle/>
+          <a:p>
+            <a:pPr algn="ctr"/>
+            <a:r>
+              <a:rPr lang="ko-KR" altLang="en-US" sz="1100" dirty="0" smtClean="0"/>
+              <a:t>위치 </a:t>
+            </a:r>
+            <a:r>
+              <a:rPr lang="ko-KR" altLang="en-US" sz="1100" dirty="0" smtClean="0"/>
+              <a:t>정보 조회</a:t>
+            </a:r>
+            <a:endParaRPr lang="ko-KR" altLang="en-US" sz="1100" dirty="0"/>
+          </a:p>
+        </p:txBody>
+      </p:sp>
+      <p:cxnSp>
+        <p:nvCxnSpPr>
+          <p:cNvPr id="99" name="구부러진 연결선 98"/>
+          <p:cNvCxnSpPr>
+            <a:stCxn id="91" idx="5"/>
+            <a:endCxn id="44" idx="0"/>
+          </p:cNvCxnSpPr>
+          <p:nvPr/>
+        </p:nvCxnSpPr>
+        <p:spPr>
+          <a:xfrm rot="5400000" flipH="1" flipV="1">
+            <a:off x="6519811" y="-2484480"/>
+            <a:ext cx="1323697" cy="6914422"/>
+          </a:xfrm>
+          <a:prstGeom prst="curvedConnector5">
+            <a:avLst>
+              <a:gd name="adj1" fmla="val -28678"/>
+              <a:gd name="adj2" fmla="val 32452"/>
+              <a:gd name="adj3" fmla="val 119171"/>
+            </a:avLst>
+          </a:prstGeom>
+          <a:ln w="12700" cap="flat" cmpd="sng" algn="ctr">
+            <a:solidFill>
+              <a:schemeClr val="dk1"/>
+            </a:solidFill>
+            <a:prstDash val="dash"/>
+            <a:round/>
+            <a:headEnd type="none" w="med" len="med"/>
+            <a:tailEnd type="triangle" w="med" len="med"/>
+          </a:ln>
+        </p:spPr>
+        <p:style>
+          <a:lnRef idx="0">
+            <a:scrgbClr r="0" g="0" b="0"/>
+          </a:lnRef>
+          <a:fillRef idx="0">
+            <a:scrgbClr r="0" g="0" b="0"/>
+          </a:fillRef>
+          <a:effectRef idx="0">
+            <a:scrgbClr r="0" g="0" b="0"/>
+          </a:effectRef>
+          <a:fontRef idx="minor">
+            <a:schemeClr val="tx1"/>
+          </a:fontRef>
+        </p:style>
+      </p:cxnSp>
     </p:spTree>
     <p:extLst>
       <p:ext uri="{BB962C8B-B14F-4D97-AF65-F5344CB8AC3E}">
-        <p14:creationId xmlns:p14="http://schemas.microsoft.com/office/powerpoint/2010/main" val="4233883585"/>
+        <p14:creationId xmlns:p14="http://schemas.microsoft.com/office/powerpoint/2010/main" val="3833925209"/>
       </p:ext>
     </p:extLst>
   </p:cSld>

--- a/문서 관리/07. 유스케이스/07. 유스케이스(사용자,상담사).pptx
+++ b/문서 관리/07. 유스케이스/07. 유스케이스(사용자,상담사).pptx
@@ -2978,7 +2978,7 @@
         </p:nvSpPr>
         <p:spPr>
           <a:xfrm>
-            <a:off x="4512858" y="2955926"/>
+            <a:off x="3309208" y="2930263"/>
             <a:ext cx="1050536" cy="408398"/>
           </a:xfrm>
           <a:prstGeom prst="ellipse">
@@ -3021,12 +3021,14 @@
           <p:nvPr/>
         </p:nvCxnSpPr>
         <p:spPr>
-          <a:xfrm rot="10800000">
-            <a:off x="5563395" y="3160126"/>
-            <a:ext cx="472399" cy="236831"/>
+          <a:xfrm rot="10800000" flipV="1">
+            <a:off x="4359744" y="3134460"/>
+            <a:ext cx="1648492" cy="1"/>
           </a:xfrm>
           <a:prstGeom prst="curvedConnector3">
-            <a:avLst/>
+            <a:avLst>
+              <a:gd name="adj1" fmla="val 50000"/>
+            </a:avLst>
           </a:prstGeom>
           <a:ln>
             <a:tailEnd type="triangle"/>
@@ -3055,7 +3057,7 @@
         </p:nvSpPr>
         <p:spPr>
           <a:xfrm>
-            <a:off x="4094328" y="2161644"/>
+            <a:off x="4043345" y="2220777"/>
             <a:ext cx="1050536" cy="408398"/>
           </a:xfrm>
           <a:prstGeom prst="ellipse">
@@ -3099,9 +3101,9 @@
           <p:nvPr/>
         </p:nvCxnSpPr>
         <p:spPr>
-          <a:xfrm rot="16200000" flipV="1">
-            <a:off x="4635919" y="2553719"/>
-            <a:ext cx="385884" cy="418530"/>
+          <a:xfrm rot="5400000" flipH="1" flipV="1">
+            <a:off x="4051000" y="2412651"/>
+            <a:ext cx="301088" cy="734137"/>
           </a:xfrm>
           <a:prstGeom prst="curvedConnector3">
             <a:avLst>
@@ -3169,44 +3171,6 @@
           </a:p>
         </p:txBody>
       </p:sp>
-      <p:cxnSp>
-        <p:nvCxnSpPr>
-          <p:cNvPr id="35" name="구부러진 연결선 34"/>
-          <p:cNvCxnSpPr>
-            <a:stCxn id="24" idx="1"/>
-            <a:endCxn id="34" idx="2"/>
-          </p:cNvCxnSpPr>
-          <p:nvPr/>
-        </p:nvCxnSpPr>
-        <p:spPr>
-          <a:xfrm rot="16200000" flipV="1">
-            <a:off x="3071285" y="1420314"/>
-            <a:ext cx="612270" cy="2578571"/>
-          </a:xfrm>
-          <a:prstGeom prst="curvedConnector3">
-            <a:avLst>
-              <a:gd name="adj1" fmla="val 75796"/>
-            </a:avLst>
-          </a:prstGeom>
-          <a:ln>
-            <a:tailEnd type="triangle"/>
-          </a:ln>
-        </p:spPr>
-        <p:style>
-          <a:lnRef idx="3">
-            <a:schemeClr val="dk1"/>
-          </a:lnRef>
-          <a:fillRef idx="0">
-            <a:schemeClr val="dk1"/>
-          </a:fillRef>
-          <a:effectRef idx="2">
-            <a:schemeClr val="dk1"/>
-          </a:effectRef>
-          <a:fontRef idx="minor">
-            <a:schemeClr val="tx1"/>
-          </a:fontRef>
-        </p:style>
-      </p:cxnSp>
       <p:sp>
         <p:nvSpPr>
           <p:cNvPr id="38" name="직사각형 37"/>
@@ -4193,11 +4157,7 @@
             <a:pPr algn="ctr"/>
             <a:r>
               <a:rPr lang="ko-KR" altLang="en-US" sz="1100" dirty="0" smtClean="0"/>
-              <a:t>위치 </a:t>
-            </a:r>
-            <a:r>
-              <a:rPr lang="ko-KR" altLang="en-US" sz="1100" dirty="0" smtClean="0"/>
-              <a:t>정보 조회</a:t>
+              <a:t>위치 정보 조회</a:t>
             </a:r>
             <a:endParaRPr lang="ko-KR" altLang="en-US" sz="1100" dirty="0"/>
           </a:p>
@@ -4439,14 +4399,14 @@
         </p:nvCxnSpPr>
         <p:spPr>
           <a:xfrm rot="16200000" flipH="1">
-            <a:off x="7842078" y="583203"/>
-            <a:ext cx="364261" cy="5229324"/>
+            <a:off x="7227422" y="-31453"/>
+            <a:ext cx="389924" cy="6432974"/>
           </a:xfrm>
           <a:prstGeom prst="curvedConnector5">
             <a:avLst>
-              <a:gd name="adj1" fmla="val -62757"/>
-              <a:gd name="adj2" fmla="val 40145"/>
-              <a:gd name="adj3" fmla="val 162757"/>
+              <a:gd name="adj1" fmla="val -58627"/>
+              <a:gd name="adj2" fmla="val 40567"/>
+              <a:gd name="adj3" fmla="val 126649"/>
             </a:avLst>
           </a:prstGeom>
           <a:ln>
@@ -4812,11 +4772,7 @@
             <a:pPr algn="ctr"/>
             <a:r>
               <a:rPr lang="ko-KR" altLang="en-US" sz="1100" dirty="0" smtClean="0"/>
-              <a:t>결과</a:t>
-            </a:r>
-            <a:r>
-              <a:rPr lang="ko-KR" altLang="en-US" sz="1100" dirty="0" smtClean="0"/>
-              <a:t> 조회</a:t>
+              <a:t>결과 조회</a:t>
             </a:r>
             <a:endParaRPr lang="ko-KR" altLang="en-US" sz="1100" dirty="0"/>
           </a:p>
@@ -5286,8 +5242,8 @@
         </p:nvCxnSpPr>
         <p:spPr>
           <a:xfrm rot="10800000" flipV="1">
-            <a:off x="2586314" y="3160125"/>
-            <a:ext cx="1926544" cy="464520"/>
+            <a:off x="2586314" y="3134461"/>
+            <a:ext cx="722894" cy="490183"/>
           </a:xfrm>
           <a:prstGeom prst="curvedConnector3">
             <a:avLst>
@@ -5533,8 +5489,8 @@
         </p:nvCxnSpPr>
         <p:spPr>
           <a:xfrm rot="10800000" flipV="1">
-            <a:off x="4242433" y="3541306"/>
-            <a:ext cx="1850647" cy="448926"/>
+            <a:off x="4242432" y="3706338"/>
+            <a:ext cx="1797946" cy="283893"/>
           </a:xfrm>
           <a:prstGeom prst="curvedConnector2">
             <a:avLst/>
@@ -6665,7 +6621,7 @@
           <a:prstGeom prst="curvedConnector5">
             <a:avLst>
               <a:gd name="adj1" fmla="val -76353"/>
-              <a:gd name="adj2" fmla="val 27253"/>
+              <a:gd name="adj2" fmla="val 31085"/>
               <a:gd name="adj3" fmla="val 267975"/>
             </a:avLst>
           </a:prstGeom>
@@ -7244,6 +7200,207 @@
           </a:p>
         </p:txBody>
       </p:sp>
+      <p:cxnSp>
+        <p:nvCxnSpPr>
+          <p:cNvPr id="100" name="구부러진 연결선 99"/>
+          <p:cNvCxnSpPr>
+            <a:stCxn id="91" idx="6"/>
+            <a:endCxn id="298" idx="2"/>
+          </p:cNvCxnSpPr>
+          <p:nvPr/>
+        </p:nvCxnSpPr>
+        <p:spPr>
+          <a:xfrm>
+            <a:off x="3890013" y="1418419"/>
+            <a:ext cx="4040793" cy="1536347"/>
+          </a:xfrm>
+          <a:prstGeom prst="curvedConnector3">
+            <a:avLst>
+              <a:gd name="adj1" fmla="val 28606"/>
+            </a:avLst>
+          </a:prstGeom>
+          <a:ln w="12700" cap="flat" cmpd="sng" algn="ctr">
+            <a:solidFill>
+              <a:schemeClr val="dk1"/>
+            </a:solidFill>
+            <a:prstDash val="dash"/>
+            <a:round/>
+            <a:headEnd type="none" w="med" len="med"/>
+            <a:tailEnd type="triangle" w="med" len="med"/>
+          </a:ln>
+        </p:spPr>
+        <p:style>
+          <a:lnRef idx="0">
+            <a:scrgbClr r="0" g="0" b="0"/>
+          </a:lnRef>
+          <a:fillRef idx="0">
+            <a:scrgbClr r="0" g="0" b="0"/>
+          </a:fillRef>
+          <a:effectRef idx="0">
+            <a:scrgbClr r="0" g="0" b="0"/>
+          </a:effectRef>
+          <a:fontRef idx="minor">
+            <a:schemeClr val="tx1"/>
+          </a:fontRef>
+        </p:style>
+      </p:cxnSp>
+      <p:sp>
+        <p:nvSpPr>
+          <p:cNvPr id="107" name="타원 106"/>
+          <p:cNvSpPr/>
+          <p:nvPr/>
+        </p:nvSpPr>
+        <p:spPr>
+          <a:xfrm>
+            <a:off x="4495869" y="3264291"/>
+            <a:ext cx="1050536" cy="408398"/>
+          </a:xfrm>
+          <a:prstGeom prst="ellipse">
+            <a:avLst/>
+          </a:prstGeom>
+        </p:spPr>
+        <p:style>
+          <a:lnRef idx="2">
+            <a:schemeClr val="dk1"/>
+          </a:lnRef>
+          <a:fillRef idx="1">
+            <a:schemeClr val="lt1"/>
+          </a:fillRef>
+          <a:effectRef idx="0">
+            <a:schemeClr val="dk1"/>
+          </a:effectRef>
+          <a:fontRef idx="minor">
+            <a:schemeClr val="dk1"/>
+          </a:fontRef>
+        </p:style>
+        <p:txBody>
+          <a:bodyPr rtlCol="0" anchor="ctr"/>
+          <a:lstStyle/>
+          <a:p>
+            <a:pPr algn="ctr"/>
+            <a:r>
+              <a:rPr lang="en-US" altLang="ko-KR" sz="1100" dirty="0" smtClean="0"/>
+              <a:t>ID/PW </a:t>
+            </a:r>
+            <a:r>
+              <a:rPr lang="ko-KR" altLang="en-US" sz="1100" dirty="0" smtClean="0"/>
+              <a:t>찾기</a:t>
+            </a:r>
+            <a:endParaRPr lang="ko-KR" altLang="en-US" sz="1100" dirty="0"/>
+          </a:p>
+        </p:txBody>
+      </p:sp>
+      <p:cxnSp>
+        <p:nvCxnSpPr>
+          <p:cNvPr id="119" name="구부러진 연결선 118"/>
+          <p:cNvCxnSpPr>
+            <a:endCxn id="107" idx="6"/>
+          </p:cNvCxnSpPr>
+          <p:nvPr/>
+        </p:nvCxnSpPr>
+        <p:spPr>
+          <a:xfrm rot="10800000" flipV="1">
+            <a:off x="5546405" y="3309390"/>
+            <a:ext cx="465940" cy="159100"/>
+          </a:xfrm>
+          <a:prstGeom prst="curvedConnector3">
+            <a:avLst>
+              <a:gd name="adj1" fmla="val 50000"/>
+            </a:avLst>
+          </a:prstGeom>
+          <a:ln>
+            <a:tailEnd type="triangle"/>
+          </a:ln>
+        </p:spPr>
+        <p:style>
+          <a:lnRef idx="3">
+            <a:schemeClr val="dk1"/>
+          </a:lnRef>
+          <a:fillRef idx="0">
+            <a:schemeClr val="dk1"/>
+          </a:fillRef>
+          <a:effectRef idx="2">
+            <a:schemeClr val="dk1"/>
+          </a:effectRef>
+          <a:fontRef idx="minor">
+            <a:schemeClr val="tx1"/>
+          </a:fontRef>
+        </p:style>
+      </p:cxnSp>
+      <p:cxnSp>
+        <p:nvCxnSpPr>
+          <p:cNvPr id="124" name="구부러진 연결선 123"/>
+          <p:cNvCxnSpPr>
+            <a:stCxn id="107" idx="2"/>
+            <a:endCxn id="24" idx="4"/>
+          </p:cNvCxnSpPr>
+          <p:nvPr/>
+        </p:nvCxnSpPr>
+        <p:spPr>
+          <a:xfrm rot="10800000">
+            <a:off x="3834477" y="3338662"/>
+            <a:ext cx="661393" cy="129829"/>
+          </a:xfrm>
+          <a:prstGeom prst="curvedConnector2">
+            <a:avLst/>
+          </a:prstGeom>
+          <a:ln>
+            <a:tailEnd type="triangle"/>
+          </a:ln>
+        </p:spPr>
+        <p:style>
+          <a:lnRef idx="3">
+            <a:schemeClr val="dk1"/>
+          </a:lnRef>
+          <a:fillRef idx="0">
+            <a:schemeClr val="dk1"/>
+          </a:fillRef>
+          <a:effectRef idx="2">
+            <a:schemeClr val="dk1"/>
+          </a:effectRef>
+          <a:fontRef idx="minor">
+            <a:schemeClr val="tx1"/>
+          </a:fontRef>
+        </p:style>
+      </p:cxnSp>
+      <p:cxnSp>
+        <p:nvCxnSpPr>
+          <p:cNvPr id="35" name="구부러진 연결선 34"/>
+          <p:cNvCxnSpPr>
+            <a:stCxn id="24" idx="1"/>
+            <a:endCxn id="34" idx="2"/>
+          </p:cNvCxnSpPr>
+          <p:nvPr/>
+        </p:nvCxnSpPr>
+        <p:spPr>
+          <a:xfrm rot="16200000" flipV="1">
+            <a:off x="2482292" y="2009308"/>
+            <a:ext cx="586607" cy="1374921"/>
+          </a:xfrm>
+          <a:prstGeom prst="curvedConnector3">
+            <a:avLst>
+              <a:gd name="adj1" fmla="val 50000"/>
+            </a:avLst>
+          </a:prstGeom>
+          <a:ln>
+            <a:tailEnd type="triangle"/>
+          </a:ln>
+        </p:spPr>
+        <p:style>
+          <a:lnRef idx="3">
+            <a:schemeClr val="dk1"/>
+          </a:lnRef>
+          <a:fillRef idx="0">
+            <a:schemeClr val="dk1"/>
+          </a:fillRef>
+          <a:effectRef idx="2">
+            <a:schemeClr val="dk1"/>
+          </a:effectRef>
+          <a:fontRef idx="minor">
+            <a:schemeClr val="tx1"/>
+          </a:fontRef>
+        </p:style>
+      </p:cxnSp>
     </p:spTree>
     <p:extLst>
       <p:ext uri="{BB962C8B-B14F-4D97-AF65-F5344CB8AC3E}">
@@ -7282,7 +7439,7 @@
         </p:nvSpPr>
         <p:spPr>
           <a:xfrm>
-            <a:off x="4512858" y="2955926"/>
+            <a:off x="3539477" y="2856720"/>
             <a:ext cx="1050536" cy="408398"/>
           </a:xfrm>
           <a:prstGeom prst="ellipse">
@@ -7326,8 +7483,8 @@
         </p:nvCxnSpPr>
         <p:spPr>
           <a:xfrm rot="10800000">
-            <a:off x="5563395" y="3160126"/>
-            <a:ext cx="472399" cy="236831"/>
+            <a:off x="4590013" y="3060919"/>
+            <a:ext cx="1422332" cy="76618"/>
           </a:xfrm>
           <a:prstGeom prst="curvedConnector3">
             <a:avLst/>
@@ -7403,9 +7560,9 @@
           <p:nvPr/>
         </p:nvCxnSpPr>
         <p:spPr>
-          <a:xfrm rot="16200000" flipV="1">
-            <a:off x="4635919" y="2553719"/>
-            <a:ext cx="385884" cy="418530"/>
+          <a:xfrm rot="5400000" flipH="1" flipV="1">
+            <a:off x="4198831" y="2435956"/>
+            <a:ext cx="286678" cy="554851"/>
           </a:xfrm>
           <a:prstGeom prst="curvedConnector3">
             <a:avLst>
@@ -7484,12 +7641,12 @@
         </p:nvCxnSpPr>
         <p:spPr>
           <a:xfrm rot="16200000" flipV="1">
-            <a:off x="3071285" y="1420314"/>
-            <a:ext cx="612270" cy="2578571"/>
+            <a:off x="2634197" y="1857402"/>
+            <a:ext cx="513064" cy="1605190"/>
           </a:xfrm>
           <a:prstGeom prst="curvedConnector3">
             <a:avLst>
-              <a:gd name="adj1" fmla="val 75796"/>
+              <a:gd name="adj1" fmla="val 50000"/>
             </a:avLst>
           </a:prstGeom>
           <a:ln>
@@ -7697,8 +7854,8 @@
         </p:nvCxnSpPr>
         <p:spPr>
           <a:xfrm flipV="1">
-            <a:off x="6486376" y="2436501"/>
-            <a:ext cx="1459941" cy="667134"/>
+            <a:off x="6532057" y="2618686"/>
+            <a:ext cx="1275922" cy="524809"/>
           </a:xfrm>
           <a:prstGeom prst="curvedConnector3">
             <a:avLst>
@@ -8123,7 +8280,7 @@
         </p:nvSpPr>
         <p:spPr>
           <a:xfrm>
-            <a:off x="7946317" y="2197253"/>
+            <a:off x="7807979" y="2379438"/>
             <a:ext cx="1074832" cy="478496"/>
           </a:xfrm>
           <a:prstGeom prst="ellipse">
@@ -8443,14 +8600,14 @@
         </p:nvCxnSpPr>
         <p:spPr>
           <a:xfrm rot="16200000" flipH="1">
-            <a:off x="7842078" y="583203"/>
-            <a:ext cx="364261" cy="5229324"/>
+            <a:off x="7305784" y="46910"/>
+            <a:ext cx="463467" cy="6202705"/>
           </a:xfrm>
           <a:prstGeom prst="curvedConnector5">
             <a:avLst>
-              <a:gd name="adj1" fmla="val -62757"/>
-              <a:gd name="adj2" fmla="val 40145"/>
-              <a:gd name="adj3" fmla="val 162757"/>
+              <a:gd name="adj1" fmla="val -49324"/>
+              <a:gd name="adj2" fmla="val 45131"/>
+              <a:gd name="adj3" fmla="val 121139"/>
             </a:avLst>
           </a:prstGeom>
           <a:ln>
@@ -8626,7 +8783,6 @@
               <a:rPr lang="ko-KR" altLang="en-US" sz="1100" dirty="0"/>
               <a:t>조회</a:t>
             </a:r>
-            <a:endParaRPr lang="ko-KR" altLang="en-US" sz="1100" dirty="0"/>
           </a:p>
         </p:txBody>
       </p:sp>
@@ -8676,7 +8832,6 @@
               <a:rPr lang="ko-KR" altLang="en-US" sz="1100" dirty="0"/>
               <a:t>상담 확인</a:t>
             </a:r>
-            <a:endParaRPr lang="ko-KR" altLang="en-US" sz="1100" dirty="0"/>
           </a:p>
         </p:txBody>
       </p:sp>
@@ -8829,7 +8984,6 @@
               <a:rPr lang="ko-KR" altLang="en-US" sz="1100" dirty="0"/>
               <a:t>결과 조회</a:t>
             </a:r>
-            <a:endParaRPr lang="ko-KR" altLang="en-US" sz="1100" dirty="0"/>
           </a:p>
         </p:txBody>
       </p:sp>
@@ -9297,8 +9451,8 @@
         </p:nvCxnSpPr>
         <p:spPr>
           <a:xfrm rot="10800000" flipV="1">
-            <a:off x="2586314" y="3160125"/>
-            <a:ext cx="1926544" cy="464520"/>
+            <a:off x="2586315" y="3060919"/>
+            <a:ext cx="953163" cy="563726"/>
           </a:xfrm>
           <a:prstGeom prst="curvedConnector3">
             <a:avLst>
@@ -9544,8 +9698,8 @@
         </p:nvCxnSpPr>
         <p:spPr>
           <a:xfrm rot="10800000" flipV="1">
-            <a:off x="4242433" y="3541306"/>
-            <a:ext cx="1850647" cy="448926"/>
+            <a:off x="4242433" y="3700144"/>
+            <a:ext cx="1711897" cy="290087"/>
           </a:xfrm>
           <a:prstGeom prst="curvedConnector2">
             <a:avLst/>
@@ -11295,11 +11449,7 @@
             <a:pPr algn="ctr"/>
             <a:r>
               <a:rPr lang="ko-KR" altLang="en-US" sz="1100" dirty="0" smtClean="0"/>
-              <a:t>위치 </a:t>
-            </a:r>
-            <a:r>
-              <a:rPr lang="ko-KR" altLang="en-US" sz="1100" dirty="0" smtClean="0"/>
-              <a:t>정보 조회</a:t>
+              <a:t>위치 정보 조회</a:t>
             </a:r>
             <a:endParaRPr lang="ko-KR" altLang="en-US" sz="1100" dirty="0"/>
           </a:p>
@@ -11351,10 +11501,129 @@
           </a:fontRef>
         </p:style>
       </p:cxnSp>
+      <p:sp>
+        <p:nvSpPr>
+          <p:cNvPr id="106" name="타원 105"/>
+          <p:cNvSpPr/>
+          <p:nvPr/>
+        </p:nvSpPr>
+        <p:spPr>
+          <a:xfrm>
+            <a:off x="4472204" y="3257014"/>
+            <a:ext cx="1050536" cy="408398"/>
+          </a:xfrm>
+          <a:prstGeom prst="ellipse">
+            <a:avLst/>
+          </a:prstGeom>
+        </p:spPr>
+        <p:style>
+          <a:lnRef idx="2">
+            <a:schemeClr val="dk1"/>
+          </a:lnRef>
+          <a:fillRef idx="1">
+            <a:schemeClr val="lt1"/>
+          </a:fillRef>
+          <a:effectRef idx="0">
+            <a:schemeClr val="dk1"/>
+          </a:effectRef>
+          <a:fontRef idx="minor">
+            <a:schemeClr val="dk1"/>
+          </a:fontRef>
+        </p:style>
+        <p:txBody>
+          <a:bodyPr rtlCol="0" anchor="ctr"/>
+          <a:lstStyle/>
+          <a:p>
+            <a:pPr algn="ctr"/>
+            <a:r>
+              <a:rPr lang="en-US" altLang="ko-KR" sz="1100" dirty="0" smtClean="0"/>
+              <a:t>ID/PW </a:t>
+            </a:r>
+            <a:r>
+              <a:rPr lang="ko-KR" altLang="en-US" sz="1100" dirty="0" smtClean="0"/>
+              <a:t>찾기</a:t>
+            </a:r>
+            <a:endParaRPr lang="ko-KR" altLang="en-US" sz="1100" dirty="0"/>
+          </a:p>
+        </p:txBody>
+      </p:sp>
+      <p:cxnSp>
+        <p:nvCxnSpPr>
+          <p:cNvPr id="107" name="구부러진 연결선 106"/>
+          <p:cNvCxnSpPr>
+            <a:endCxn id="106" idx="6"/>
+          </p:cNvCxnSpPr>
+          <p:nvPr/>
+        </p:nvCxnSpPr>
+        <p:spPr>
+          <a:xfrm rot="10800000" flipV="1">
+            <a:off x="5522740" y="3316149"/>
+            <a:ext cx="475460" cy="145064"/>
+          </a:xfrm>
+          <a:prstGeom prst="curvedConnector3">
+            <a:avLst>
+              <a:gd name="adj1" fmla="val 50000"/>
+            </a:avLst>
+          </a:prstGeom>
+          <a:ln>
+            <a:tailEnd type="triangle"/>
+          </a:ln>
+        </p:spPr>
+        <p:style>
+          <a:lnRef idx="3">
+            <a:schemeClr val="dk1"/>
+          </a:lnRef>
+          <a:fillRef idx="0">
+            <a:schemeClr val="dk1"/>
+          </a:fillRef>
+          <a:effectRef idx="2">
+            <a:schemeClr val="dk1"/>
+          </a:effectRef>
+          <a:fontRef idx="minor">
+            <a:schemeClr val="tx1"/>
+          </a:fontRef>
+        </p:style>
+      </p:cxnSp>
+      <p:cxnSp>
+        <p:nvCxnSpPr>
+          <p:cNvPr id="108" name="구부러진 연결선 107"/>
+          <p:cNvCxnSpPr>
+            <a:stCxn id="106" idx="2"/>
+            <a:endCxn id="24" idx="4"/>
+          </p:cNvCxnSpPr>
+          <p:nvPr/>
+        </p:nvCxnSpPr>
+        <p:spPr>
+          <a:xfrm rot="10800000">
+            <a:off x="4064746" y="3265119"/>
+            <a:ext cx="407459" cy="196095"/>
+          </a:xfrm>
+          <a:prstGeom prst="curvedConnector2">
+            <a:avLst/>
+          </a:prstGeom>
+          <a:ln>
+            <a:tailEnd type="triangle"/>
+          </a:ln>
+        </p:spPr>
+        <p:style>
+          <a:lnRef idx="3">
+            <a:schemeClr val="dk1"/>
+          </a:lnRef>
+          <a:fillRef idx="0">
+            <a:schemeClr val="dk1"/>
+          </a:fillRef>
+          <a:effectRef idx="2">
+            <a:schemeClr val="dk1"/>
+          </a:effectRef>
+          <a:fontRef idx="minor">
+            <a:schemeClr val="tx1"/>
+          </a:fontRef>
+        </p:style>
+      </p:cxnSp>
     </p:spTree>
     <p:extLst>
       <p:ext uri="{BB962C8B-B14F-4D97-AF65-F5344CB8AC3E}">
-        <p14:creationId xmlns:p14="http://schemas.microsoft.com/office/powerpoint/2010/main" val="3833925209"/>
+        <p14:creationId xmlns:p14="http://schemas.microsoft.com/office/powerpoint/2010/main" val="238055931"/>
       </p:ext>
     </p:extLst>
   </p:cSld>
